--- a/Курсовая Гончаров презентация2.pptx
+++ b/Курсовая Гончаров презентация2.pptx
@@ -5,7 +5,7 @@
     <p:sldMasterId id="2147483648" r:id="rId1"/>
   </p:sldMasterIdLst>
   <p:notesMasterIdLst>
-    <p:notesMasterId r:id="rId17"/>
+    <p:notesMasterId r:id="rId16"/>
   </p:notesMasterIdLst>
   <p:sldIdLst>
     <p:sldId id="256" r:id="rId2"/>
@@ -17,47 +17,46 @@
     <p:sldId id="274" r:id="rId8"/>
     <p:sldId id="264" r:id="rId9"/>
     <p:sldId id="275" r:id="rId10"/>
-    <p:sldId id="276" r:id="rId11"/>
-    <p:sldId id="266" r:id="rId12"/>
-    <p:sldId id="267" r:id="rId13"/>
-    <p:sldId id="268" r:id="rId14"/>
-    <p:sldId id="269" r:id="rId15"/>
-    <p:sldId id="270" r:id="rId16"/>
+    <p:sldId id="278" r:id="rId11"/>
+    <p:sldId id="267" r:id="rId12"/>
+    <p:sldId id="268" r:id="rId13"/>
+    <p:sldId id="269" r:id="rId14"/>
+    <p:sldId id="270" r:id="rId15"/>
   </p:sldIdLst>
   <p:sldSz cx="24384000" cy="13716000"/>
   <p:notesSz cx="6858000" cy="9144000"/>
   <p:embeddedFontLst>
     <p:embeddedFont>
-      <p:font typeface="Poppins" panose="020B0604020202020204" charset="0"/>
-      <p:regular r:id="rId18"/>
-      <p:bold r:id="rId19"/>
-      <p:italic r:id="rId20"/>
-      <p:boldItalic r:id="rId21"/>
+      <p:font typeface="Open Sans" pitchFamily="2" charset="0"/>
+      <p:regular r:id="rId17"/>
+      <p:bold r:id="rId18"/>
+      <p:italic r:id="rId19"/>
+      <p:boldItalic r:id="rId20"/>
     </p:embeddedFont>
     <p:embeddedFont>
-      <p:font typeface="Montserrat" panose="020B0604020202020204" charset="-52"/>
+      <p:font typeface="Cambria Math" panose="02040503050406030204" pitchFamily="18" charset="0"/>
+      <p:regular r:id="rId21"/>
+    </p:embeddedFont>
+    <p:embeddedFont>
+      <p:font typeface="Helvetica Neue" panose="020B0604020202020204" charset="0"/>
       <p:regular r:id="rId22"/>
       <p:bold r:id="rId23"/>
       <p:italic r:id="rId24"/>
       <p:boldItalic r:id="rId25"/>
     </p:embeddedFont>
     <p:embeddedFont>
-      <p:font typeface="Cambria Math" panose="02040503050406030204" pitchFamily="18" charset="0"/>
+      <p:font typeface="Montserrat" panose="020B0604020202020204" charset="-52"/>
       <p:regular r:id="rId26"/>
+      <p:bold r:id="rId27"/>
+      <p:italic r:id="rId28"/>
+      <p:boldItalic r:id="rId29"/>
     </p:embeddedFont>
     <p:embeddedFont>
-      <p:font typeface="Open Sans" panose="020B0604020202020204" charset="0"/>
-      <p:regular r:id="rId27"/>
-      <p:bold r:id="rId28"/>
-      <p:italic r:id="rId29"/>
-      <p:boldItalic r:id="rId30"/>
-    </p:embeddedFont>
-    <p:embeddedFont>
-      <p:font typeface="Helvetica Neue" panose="020B0604020202020204" charset="0"/>
-      <p:regular r:id="rId31"/>
-      <p:bold r:id="rId32"/>
-      <p:italic r:id="rId33"/>
-      <p:boldItalic r:id="rId34"/>
+      <p:font typeface="Poppins" panose="020B0604020202020204" charset="0"/>
+      <p:regular r:id="rId30"/>
+      <p:bold r:id="rId31"/>
+      <p:italic r:id="rId32"/>
+      <p:boldItalic r:id="rId33"/>
     </p:embeddedFont>
   </p:embeddedFontLst>
   <p:defaultTextStyle>
@@ -294,7 +293,7 @@
       <p15:sldGuideLst xmlns:p15="http://schemas.microsoft.com/office/powerpoint/2012/main"/>
     </p:ext>
     <p:ext uri="http://customooxmlschemas.google.com/">
-      <go:slidesCustomData xmlns:go="http://customooxmlschemas.google.com/" xmlns:ahyp="http://schemas.microsoft.com/office/drawing/2018/hyperlinkcolor" xmlns:p15="http://schemas.microsoft.com/office/powerpoint/2012/main" xmlns:p14="http://schemas.microsoft.com/office/powerpoint/2010/main" xmlns:com="http://schemas.openxmlformats.org/drawingml/2006/compatibility" xmlns:pvml="urn:schemas-microsoft-com:office:powerpoint" xmlns:v="urn:schemas-microsoft-com:vml" xmlns:o="urn:schemas-microsoft-com:office:office" xmlns:dgm="http://schemas.openxmlformats.org/drawingml/2006/diagram" xmlns:c="http://schemas.openxmlformats.org/drawingml/2006/chart" xmlns:mv="urn:schemas-microsoft-com:mac:vml" xmlns:mc="http://schemas.openxmlformats.org/markup-compatibility/2006" xmlns="" r:id="rId55" roundtripDataSignature="AMtx7mhXb/mjvswv2cXH3F9M2Q0XgVQqqA=="/>
+      <go:slidesCustomData xmlns="" xmlns:mc="http://schemas.openxmlformats.org/markup-compatibility/2006" xmlns:mv="urn:schemas-microsoft-com:mac:vml" xmlns:c="http://schemas.openxmlformats.org/drawingml/2006/chart" xmlns:dgm="http://schemas.openxmlformats.org/drawingml/2006/diagram" xmlns:o="urn:schemas-microsoft-com:office:office" xmlns:v="urn:schemas-microsoft-com:vml" xmlns:pvml="urn:schemas-microsoft-com:office:powerpoint" xmlns:com="http://schemas.openxmlformats.org/drawingml/2006/compatibility" xmlns:p14="http://schemas.microsoft.com/office/powerpoint/2010/main" xmlns:p15="http://schemas.microsoft.com/office/powerpoint/2012/main" xmlns:ahyp="http://schemas.microsoft.com/office/drawing/2018/hyperlinkcolor" xmlns:go="http://customooxmlschemas.google.com/" r:id="rId55" roundtripDataSignature="AMtx7mhXb/mjvswv2cXH3F9M2Q0XgVQqqA=="/>
     </p:ext>
   </p:extLst>
 </p:presentation>
@@ -1034,7 +1033,7 @@
     </p:spTree>
     <p:extLst>
       <p:ext uri="{BB962C8B-B14F-4D97-AF65-F5344CB8AC3E}">
-        <p14:creationId xmlns:p14="http://schemas.microsoft.com/office/powerpoint/2010/main" val="4001396025"/>
+        <p14:creationId xmlns:p14="http://schemas.microsoft.com/office/powerpoint/2010/main" val="1108578929"/>
       </p:ext>
     </p:extLst>
   </p:cSld>
@@ -1143,7 +1142,7 @@
     </p:spTree>
     <p:extLst>
       <p:ext uri="{BB962C8B-B14F-4D97-AF65-F5344CB8AC3E}">
-        <p14:creationId xmlns:p14="http://schemas.microsoft.com/office/powerpoint/2010/main" val="724261288"/>
+        <p14:creationId xmlns:p14="http://schemas.microsoft.com/office/powerpoint/2010/main" val="1064993329"/>
       </p:ext>
     </p:extLst>
   </p:cSld>
@@ -1252,7 +1251,7 @@
     </p:spTree>
     <p:extLst>
       <p:ext uri="{BB962C8B-B14F-4D97-AF65-F5344CB8AC3E}">
-        <p14:creationId xmlns:p14="http://schemas.microsoft.com/office/powerpoint/2010/main" val="1064993329"/>
+        <p14:creationId xmlns:p14="http://schemas.microsoft.com/office/powerpoint/2010/main" val="1584585735"/>
       </p:ext>
     </p:extLst>
   </p:cSld>
@@ -1361,7 +1360,7 @@
     </p:spTree>
     <p:extLst>
       <p:ext uri="{BB962C8B-B14F-4D97-AF65-F5344CB8AC3E}">
-        <p14:creationId xmlns:p14="http://schemas.microsoft.com/office/powerpoint/2010/main" val="1584585735"/>
+        <p14:creationId xmlns:p14="http://schemas.microsoft.com/office/powerpoint/2010/main" val="1520828040"/>
       </p:ext>
     </p:extLst>
   </p:cSld>
@@ -1372,115 +1371,6 @@
 </file>
 
 <file path=ppt/notesSlides/notesSlide14.xml><?xml version="1.0" encoding="utf-8"?>
-<p:notes xmlns:a="http://schemas.openxmlformats.org/drawingml/2006/main" xmlns:r="http://schemas.openxmlformats.org/officeDocument/2006/relationships" xmlns:p="http://schemas.openxmlformats.org/presentationml/2006/main" showMasterSp="0" showMasterPhAnim="0">
-  <p:cSld>
-    <p:spTree>
-      <p:nvGrpSpPr>
-        <p:cNvPr id="1" name="Shape 112"/>
-        <p:cNvGrpSpPr/>
-        <p:nvPr/>
-      </p:nvGrpSpPr>
-      <p:grpSpPr>
-        <a:xfrm>
-          <a:off x="0" y="0"/>
-          <a:ext cx="0" cy="0"/>
-          <a:chOff x="0" y="0"/>
-          <a:chExt cx="0" cy="0"/>
-        </a:xfrm>
-      </p:grpSpPr>
-      <p:sp>
-        <p:nvSpPr>
-          <p:cNvPr id="113" name="Google Shape;113;p4:notes"/>
-          <p:cNvSpPr txBox="1">
-            <a:spLocks noGrp="1"/>
-          </p:cNvSpPr>
-          <p:nvPr>
-            <p:ph type="body" idx="1"/>
-          </p:nvPr>
-        </p:nvSpPr>
-        <p:spPr>
-          <a:xfrm>
-            <a:off x="914400" y="4343400"/>
-            <a:ext cx="5029200" cy="4114800"/>
-          </a:xfrm>
-          <a:prstGeom prst="rect">
-            <a:avLst/>
-          </a:prstGeom>
-        </p:spPr>
-        <p:txBody>
-          <a:bodyPr spcFirstLastPara="1" wrap="square" lIns="91425" tIns="45700" rIns="91425" bIns="45700" anchor="t" anchorCtr="0">
-            <a:noAutofit/>
-          </a:bodyPr>
-          <a:lstStyle/>
-          <a:p>
-            <a:pPr marL="0" lvl="0" indent="0" algn="l" rtl="0">
-              <a:spcBef>
-                <a:spcPts val="0"/>
-              </a:spcBef>
-              <a:spcAft>
-                <a:spcPts val="0"/>
-              </a:spcAft>
-              <a:buNone/>
-            </a:pPr>
-            <a:endParaRPr/>
-          </a:p>
-        </p:txBody>
-      </p:sp>
-      <p:sp>
-        <p:nvSpPr>
-          <p:cNvPr id="114" name="Google Shape;114;p4:notes"/>
-          <p:cNvSpPr>
-            <a:spLocks noGrp="1" noRot="1" noChangeAspect="1"/>
-          </p:cNvSpPr>
-          <p:nvPr>
-            <p:ph type="sldImg" idx="2"/>
-          </p:nvPr>
-        </p:nvSpPr>
-        <p:spPr>
-          <a:xfrm>
-            <a:off x="381000" y="685800"/>
-            <a:ext cx="6096000" cy="3429000"/>
-          </a:xfrm>
-          <a:custGeom>
-            <a:avLst/>
-            <a:gdLst/>
-            <a:ahLst/>
-            <a:cxnLst/>
-            <a:rect l="l" t="t" r="r" b="b"/>
-            <a:pathLst>
-              <a:path w="120000" h="120000" extrusionOk="0">
-                <a:moveTo>
-                  <a:pt x="0" y="0"/>
-                </a:moveTo>
-                <a:lnTo>
-                  <a:pt x="120000" y="0"/>
-                </a:lnTo>
-                <a:lnTo>
-                  <a:pt x="120000" y="120000"/>
-                </a:lnTo>
-                <a:lnTo>
-                  <a:pt x="0" y="120000"/>
-                </a:lnTo>
-                <a:close/>
-              </a:path>
-            </a:pathLst>
-          </a:custGeom>
-        </p:spPr>
-      </p:sp>
-    </p:spTree>
-    <p:extLst>
-      <p:ext uri="{BB962C8B-B14F-4D97-AF65-F5344CB8AC3E}">
-        <p14:creationId xmlns:p14="http://schemas.microsoft.com/office/powerpoint/2010/main" val="1520828040"/>
-      </p:ext>
-    </p:extLst>
-  </p:cSld>
-  <p:clrMapOvr>
-    <a:masterClrMapping/>
-  </p:clrMapOvr>
-</p:notes>
-</file>
-
-<file path=ppt/notesSlides/notesSlide15.xml><?xml version="1.0" encoding="utf-8"?>
 <p:notes xmlns:a="http://schemas.openxmlformats.org/drawingml/2006/main" xmlns:r="http://schemas.openxmlformats.org/officeDocument/2006/relationships" xmlns:p="http://schemas.openxmlformats.org/presentationml/2006/main" showMasterSp="0" showMasterPhAnim="0">
   <p:cSld>
     <p:spTree>
@@ -4942,190 +4832,6 @@
       </p:grpSpPr>
       <p:sp>
         <p:nvSpPr>
-          <p:cNvPr id="116" name="Google Shape;116;p4"/>
-          <p:cNvSpPr txBox="1"/>
-          <p:nvPr/>
-        </p:nvSpPr>
-        <p:spPr>
-          <a:xfrm>
-            <a:off x="1265130" y="822877"/>
-            <a:ext cx="18037478" cy="1444336"/>
-          </a:xfrm>
-          <a:prstGeom prst="rect">
-            <a:avLst/>
-          </a:prstGeom>
-          <a:noFill/>
-          <a:ln>
-            <a:noFill/>
-          </a:ln>
-        </p:spPr>
-        <p:txBody>
-          <a:bodyPr spcFirstLastPara="1" wrap="square" lIns="38100" tIns="38100" rIns="38100" bIns="38100" anchor="t" anchorCtr="0">
-            <a:noAutofit/>
-          </a:bodyPr>
-          <a:lstStyle/>
-          <a:p>
-            <a:pPr marL="0" marR="0" lvl="0" indent="0" algn="l" rtl="0">
-              <a:spcBef>
-                <a:spcPts val="0"/>
-              </a:spcBef>
-              <a:spcAft>
-                <a:spcPts val="0"/>
-              </a:spcAft>
-              <a:buNone/>
-            </a:pPr>
-            <a:r>
-              <a:rPr lang="ru-RU" sz="10000" b="1" dirty="0" smtClean="0">
-                <a:solidFill>
-                  <a:srgbClr val="1F1F1F"/>
-                </a:solidFill>
-                <a:latin typeface="Montserrat"/>
-                <a:ea typeface="Montserrat"/>
-                <a:cs typeface="Montserrat"/>
-                <a:sym typeface="Montserrat"/>
-              </a:rPr>
-              <a:t>СВЕРТОЧНАЯ СЕТЬ</a:t>
-            </a:r>
-            <a:endParaRPr sz="10000" b="1" i="0" u="none" strike="noStrike" cap="none" dirty="0">
-              <a:solidFill>
-                <a:schemeClr val="accent2"/>
-              </a:solidFill>
-              <a:latin typeface="Montserrat"/>
-              <a:ea typeface="Montserrat"/>
-              <a:cs typeface="Montserrat"/>
-              <a:sym typeface="Montserrat"/>
-            </a:endParaRPr>
-          </a:p>
-        </p:txBody>
-      </p:sp>
-      <p:sp>
-        <p:nvSpPr>
-          <p:cNvPr id="11" name="Овал 10"/>
-          <p:cNvSpPr/>
-          <p:nvPr/>
-        </p:nvSpPr>
-        <p:spPr>
-          <a:xfrm>
-            <a:off x="1590805" y="11849622"/>
-            <a:ext cx="2404998" cy="1240077"/>
-          </a:xfrm>
-          <a:prstGeom prst="ellipse">
-            <a:avLst/>
-          </a:prstGeom>
-          <a:solidFill>
-            <a:srgbClr val="FFFFFF"/>
-          </a:solidFill>
-          <a:ln>
-            <a:solidFill>
-              <a:srgbClr val="FFFFFF"/>
-            </a:solidFill>
-          </a:ln>
-        </p:spPr>
-        <p:style>
-          <a:lnRef idx="2">
-            <a:schemeClr val="accent1">
-              <a:shade val="50000"/>
-            </a:schemeClr>
-          </a:lnRef>
-          <a:fillRef idx="1">
-            <a:schemeClr val="accent1"/>
-          </a:fillRef>
-          <a:effectRef idx="0">
-            <a:schemeClr val="accent1"/>
-          </a:effectRef>
-          <a:fontRef idx="minor">
-            <a:schemeClr val="lt1"/>
-          </a:fontRef>
-        </p:style>
-        <p:txBody>
-          <a:bodyPr rtlCol="0" anchor="ctr"/>
-          <a:lstStyle/>
-          <a:p>
-            <a:pPr algn="ctr"/>
-            <a:endParaRPr lang="ru-RU"/>
-          </a:p>
-        </p:txBody>
-      </p:sp>
-      <p:pic>
-        <p:nvPicPr>
-          <p:cNvPr id="2054" name="Picture 6" descr="https://miro.medium.com/max/3288/1*uAeANQIOQPqWZnnuH-VEyw.jpeg"/>
-          <p:cNvPicPr>
-            <a:picLocks noChangeAspect="1" noChangeArrowheads="1"/>
-          </p:cNvPicPr>
-          <p:nvPr/>
-        </p:nvPicPr>
-        <p:blipFill>
-          <a:blip r:embed="rId3">
-            <a:extLst>
-              <a:ext uri="{28A0092B-C50C-407E-A947-70E740481C1C}">
-                <a14:useLocalDpi xmlns:a14="http://schemas.microsoft.com/office/drawing/2010/main" val="0"/>
-              </a:ext>
-            </a:extLst>
-          </a:blip>
-          <a:srcRect/>
-          <a:stretch>
-            <a:fillRect/>
-          </a:stretch>
-        </p:blipFill>
-        <p:spPr bwMode="auto">
-          <a:xfrm>
-            <a:off x="2152650" y="2674231"/>
-            <a:ext cx="19773900" cy="10584569"/>
-          </a:xfrm>
-          <a:prstGeom prst="rect">
-            <a:avLst/>
-          </a:prstGeom>
-          <a:noFill/>
-          <a:extLst>
-            <a:ext uri="{909E8E84-426E-40DD-AFC4-6F175D3DCCD1}">
-              <a14:hiddenFill xmlns:a14="http://schemas.microsoft.com/office/drawing/2010/main">
-                <a:solidFill>
-                  <a:srgbClr val="FFFFFF"/>
-                </a:solidFill>
-              </a14:hiddenFill>
-            </a:ext>
-          </a:extLst>
-        </p:spPr>
-      </p:pic>
-    </p:spTree>
-    <p:extLst>
-      <p:ext uri="{BB962C8B-B14F-4D97-AF65-F5344CB8AC3E}">
-        <p14:creationId xmlns:p14="http://schemas.microsoft.com/office/powerpoint/2010/main" val="2290471022"/>
-      </p:ext>
-    </p:extLst>
-  </p:cSld>
-  <p:clrMapOvr>
-    <a:masterClrMapping/>
-  </p:clrMapOvr>
-  <p:timing>
-    <p:tnLst>
-      <p:par>
-        <p:cTn id="1" dur="indefinite" restart="never" nodeType="tmRoot"/>
-      </p:par>
-    </p:tnLst>
-  </p:timing>
-</p:sld>
-</file>
-
-<file path=ppt/slides/slide11.xml><?xml version="1.0" encoding="utf-8"?>
-<p:sld xmlns:a="http://schemas.openxmlformats.org/drawingml/2006/main" xmlns:r="http://schemas.openxmlformats.org/officeDocument/2006/relationships" xmlns:p="http://schemas.openxmlformats.org/presentationml/2006/main">
-  <p:cSld>
-    <p:spTree>
-      <p:nvGrpSpPr>
-        <p:cNvPr id="1" name="Shape 115"/>
-        <p:cNvGrpSpPr/>
-        <p:nvPr/>
-      </p:nvGrpSpPr>
-      <p:grpSpPr>
-        <a:xfrm>
-          <a:off x="0" y="0"/>
-          <a:ext cx="0" cy="0"/>
-          <a:chOff x="0" y="0"/>
-          <a:chExt cx="0" cy="0"/>
-        </a:xfrm>
-      </p:grpSpPr>
-      <p:sp>
-        <p:nvSpPr>
           <p:cNvPr id="11" name="Овал 10"/>
           <p:cNvSpPr/>
           <p:nvPr/>
@@ -5230,650 +4936,30 @@
           </a:p>
         </p:txBody>
       </p:sp>
-      <p:sp>
-        <p:nvSpPr>
-          <p:cNvPr id="117" name="Google Shape;117;p4"/>
-          <p:cNvSpPr/>
-          <p:nvPr/>
-        </p:nvSpPr>
-        <p:spPr>
-          <a:xfrm>
-            <a:off x="1590805" y="2097465"/>
-            <a:ext cx="13503058" cy="11172249"/>
-          </a:xfrm>
-          <a:prstGeom prst="rect">
-            <a:avLst/>
-          </a:prstGeom>
-          <a:noFill/>
-          <a:ln>
-            <a:noFill/>
-          </a:ln>
-        </p:spPr>
-        <p:txBody>
-          <a:bodyPr spcFirstLastPara="1" wrap="square" lIns="91425" tIns="45700" rIns="91425" bIns="45700" anchor="t" anchorCtr="0">
-            <a:spAutoFit/>
-          </a:bodyPr>
-          <a:lstStyle/>
-          <a:p>
-            <a:pPr lvl="0">
-              <a:lnSpc>
-                <a:spcPct val="150000"/>
-              </a:lnSpc>
-            </a:pPr>
-            <a:r>
-              <a:rPr lang="ru-RU" sz="3200" dirty="0">
-                <a:solidFill>
-                  <a:srgbClr val="292829"/>
-                </a:solidFill>
-                <a:latin typeface="Open Sans"/>
-                <a:ea typeface="Open Sans"/>
-                <a:cs typeface="Open Sans"/>
-                <a:sym typeface="Open Sans"/>
-              </a:rPr>
-              <a:t>Н</a:t>
-            </a:r>
-            <a:r>
-              <a:rPr lang="ru-RU" sz="3200" dirty="0" smtClean="0">
-                <a:solidFill>
-                  <a:srgbClr val="292829"/>
-                </a:solidFill>
-                <a:latin typeface="Open Sans"/>
-                <a:ea typeface="Open Sans"/>
-                <a:cs typeface="Open Sans"/>
-                <a:sym typeface="Open Sans"/>
-              </a:rPr>
-              <a:t>а </a:t>
-            </a:r>
-            <a:r>
-              <a:rPr lang="ru-RU" sz="3200" dirty="0">
-                <a:solidFill>
-                  <a:srgbClr val="292829"/>
-                </a:solidFill>
-                <a:latin typeface="Open Sans"/>
-                <a:ea typeface="Open Sans"/>
-                <a:cs typeface="Open Sans"/>
-                <a:sym typeface="Open Sans"/>
-              </a:rPr>
-              <a:t>вход </a:t>
-            </a:r>
-            <a:r>
-              <a:rPr lang="ru-RU" sz="3200" dirty="0" smtClean="0">
-                <a:solidFill>
-                  <a:srgbClr val="292829"/>
-                </a:solidFill>
-                <a:latin typeface="Open Sans"/>
-                <a:ea typeface="Open Sans"/>
-                <a:cs typeface="Open Sans"/>
-                <a:sym typeface="Open Sans"/>
-              </a:rPr>
-              <a:t>подается изображение размером </a:t>
-            </a:r>
-            <a:r>
-              <a:rPr lang="ru-RU" sz="3200" dirty="0">
-                <a:solidFill>
-                  <a:srgbClr val="292829"/>
-                </a:solidFill>
-                <a:latin typeface="Open Sans"/>
-                <a:ea typeface="Open Sans"/>
-                <a:cs typeface="Open Sans"/>
-                <a:sym typeface="Open Sans"/>
-              </a:rPr>
-              <a:t>224x224 пикселя в трехканальном цветовом режиме (слой </a:t>
-            </a:r>
-            <a:r>
-              <a:rPr lang="ru-RU" sz="3200" dirty="0" err="1">
-                <a:solidFill>
-                  <a:srgbClr val="292829"/>
-                </a:solidFill>
-                <a:latin typeface="Open Sans"/>
-                <a:ea typeface="Open Sans"/>
-                <a:cs typeface="Open Sans"/>
-                <a:sym typeface="Open Sans"/>
-              </a:rPr>
-              <a:t>InputLayer</a:t>
-            </a:r>
-            <a:r>
-              <a:rPr lang="ru-RU" sz="3200" dirty="0">
-                <a:solidFill>
-                  <a:srgbClr val="292829"/>
-                </a:solidFill>
-                <a:latin typeface="Open Sans"/>
-                <a:ea typeface="Open Sans"/>
-                <a:cs typeface="Open Sans"/>
-                <a:sym typeface="Open Sans"/>
-              </a:rPr>
-              <a:t>). </a:t>
-            </a:r>
-          </a:p>
-          <a:p>
-            <a:pPr lvl="0">
-              <a:lnSpc>
-                <a:spcPct val="150000"/>
-              </a:lnSpc>
-            </a:pPr>
-            <a:r>
-              <a:rPr lang="ru-RU" sz="3200" dirty="0" smtClean="0">
-                <a:solidFill>
-                  <a:srgbClr val="292829"/>
-                </a:solidFill>
-                <a:latin typeface="Open Sans"/>
-                <a:ea typeface="Open Sans"/>
-                <a:cs typeface="Open Sans"/>
-                <a:sym typeface="Open Sans"/>
-              </a:rPr>
-              <a:t>Слои </a:t>
-            </a:r>
-            <a:r>
-              <a:rPr lang="ru-RU" sz="3200" b="1" dirty="0">
-                <a:solidFill>
-                  <a:srgbClr val="292829"/>
-                </a:solidFill>
-                <a:latin typeface="Open Sans"/>
-                <a:ea typeface="Open Sans"/>
-                <a:cs typeface="Open Sans"/>
-                <a:sym typeface="Open Sans"/>
-              </a:rPr>
-              <a:t>Conv2D</a:t>
-            </a:r>
-            <a:r>
-              <a:rPr lang="ru-RU" sz="3200" dirty="0">
-                <a:solidFill>
-                  <a:srgbClr val="292829"/>
-                </a:solidFill>
-                <a:latin typeface="Open Sans"/>
-                <a:ea typeface="Open Sans"/>
-                <a:cs typeface="Open Sans"/>
-                <a:sym typeface="Open Sans"/>
-              </a:rPr>
-              <a:t> и </a:t>
-            </a:r>
-            <a:r>
-              <a:rPr lang="ru-RU" sz="3200" b="1" dirty="0">
-                <a:solidFill>
-                  <a:srgbClr val="292829"/>
-                </a:solidFill>
-                <a:latin typeface="Open Sans"/>
-                <a:ea typeface="Open Sans"/>
-                <a:cs typeface="Open Sans"/>
-                <a:sym typeface="Open Sans"/>
-              </a:rPr>
-              <a:t>SeparableConv2D</a:t>
-            </a:r>
-            <a:r>
-              <a:rPr lang="ru-RU" sz="3200" dirty="0">
-                <a:solidFill>
-                  <a:srgbClr val="292829"/>
-                </a:solidFill>
-                <a:latin typeface="Open Sans"/>
-                <a:ea typeface="Open Sans"/>
-                <a:cs typeface="Open Sans"/>
-                <a:sym typeface="Open Sans"/>
-              </a:rPr>
-              <a:t> осуществляют свертку изображения, при этом растет число распознаваемых параметров. </a:t>
-            </a:r>
-            <a:endParaRPr lang="ru-RU" sz="3200" dirty="0" smtClean="0">
-              <a:solidFill>
-                <a:srgbClr val="292829"/>
-              </a:solidFill>
-              <a:latin typeface="Open Sans"/>
-              <a:ea typeface="Open Sans"/>
-              <a:cs typeface="Open Sans"/>
-              <a:sym typeface="Open Sans"/>
-            </a:endParaRPr>
-          </a:p>
-          <a:p>
-            <a:pPr lvl="0">
-              <a:lnSpc>
-                <a:spcPct val="150000"/>
-              </a:lnSpc>
-            </a:pPr>
-            <a:r>
-              <a:rPr lang="ru-RU" sz="3200" dirty="0" smtClean="0">
-                <a:solidFill>
-                  <a:srgbClr val="292829"/>
-                </a:solidFill>
-                <a:latin typeface="Open Sans"/>
-                <a:ea typeface="Open Sans"/>
-                <a:cs typeface="Open Sans"/>
-                <a:sym typeface="Open Sans"/>
-              </a:rPr>
-              <a:t>Слои </a:t>
-            </a:r>
-            <a:r>
-              <a:rPr lang="ru-RU" sz="3200" b="1" dirty="0">
-                <a:solidFill>
-                  <a:srgbClr val="292829"/>
-                </a:solidFill>
-                <a:latin typeface="Open Sans"/>
-                <a:ea typeface="Open Sans"/>
-                <a:cs typeface="Open Sans"/>
-                <a:sym typeface="Open Sans"/>
-              </a:rPr>
-              <a:t>MaxPooling2D</a:t>
-            </a:r>
-            <a:r>
-              <a:rPr lang="ru-RU" sz="3200" dirty="0">
-                <a:solidFill>
-                  <a:srgbClr val="292829"/>
-                </a:solidFill>
-                <a:latin typeface="Open Sans"/>
-                <a:ea typeface="Open Sans"/>
-                <a:cs typeface="Open Sans"/>
-                <a:sym typeface="Open Sans"/>
-              </a:rPr>
-              <a:t> </a:t>
-            </a:r>
-            <a:r>
-              <a:rPr lang="ru-RU" sz="3200" dirty="0" smtClean="0">
-                <a:solidFill>
-                  <a:srgbClr val="292829"/>
-                </a:solidFill>
-                <a:latin typeface="Open Sans"/>
-                <a:ea typeface="Open Sans"/>
-                <a:cs typeface="Open Sans"/>
-                <a:sym typeface="Open Sans"/>
-              </a:rPr>
-              <a:t>уменьшают </a:t>
-            </a:r>
-            <a:r>
-              <a:rPr lang="ru-RU" sz="3200" dirty="0">
-                <a:solidFill>
-                  <a:srgbClr val="292829"/>
-                </a:solidFill>
-                <a:latin typeface="Open Sans"/>
-                <a:ea typeface="Open Sans"/>
-                <a:cs typeface="Open Sans"/>
-                <a:sym typeface="Open Sans"/>
-              </a:rPr>
-              <a:t>размер изображения в два раза. </a:t>
-            </a:r>
-          </a:p>
-          <a:p>
-            <a:pPr lvl="0">
-              <a:lnSpc>
-                <a:spcPct val="150000"/>
-              </a:lnSpc>
-            </a:pPr>
-            <a:r>
-              <a:rPr lang="ru-RU" sz="3200" b="1" dirty="0" err="1">
-                <a:solidFill>
-                  <a:srgbClr val="292829"/>
-                </a:solidFill>
-                <a:latin typeface="Open Sans"/>
-                <a:ea typeface="Open Sans"/>
-                <a:cs typeface="Open Sans"/>
-                <a:sym typeface="Open Sans"/>
-              </a:rPr>
-              <a:t>BatchNormalization</a:t>
-            </a:r>
-            <a:r>
-              <a:rPr lang="ru-RU" sz="3200" dirty="0">
-                <a:solidFill>
-                  <a:srgbClr val="292829"/>
-                </a:solidFill>
-                <a:latin typeface="Open Sans"/>
-                <a:ea typeface="Open Sans"/>
-                <a:cs typeface="Open Sans"/>
-                <a:sym typeface="Open Sans"/>
-              </a:rPr>
-              <a:t> используются для оптимизации работы сети. </a:t>
-            </a:r>
-            <a:endParaRPr lang="ru-RU" sz="3200" dirty="0" smtClean="0">
-              <a:solidFill>
-                <a:srgbClr val="292829"/>
-              </a:solidFill>
-              <a:latin typeface="Open Sans"/>
-              <a:ea typeface="Open Sans"/>
-              <a:cs typeface="Open Sans"/>
-              <a:sym typeface="Open Sans"/>
-            </a:endParaRPr>
-          </a:p>
-          <a:p>
-            <a:pPr lvl="0">
-              <a:lnSpc>
-                <a:spcPct val="150000"/>
-              </a:lnSpc>
-            </a:pPr>
-            <a:r>
-              <a:rPr lang="ru-RU" sz="3200" dirty="0">
-                <a:solidFill>
-                  <a:srgbClr val="292829"/>
-                </a:solidFill>
-                <a:latin typeface="Open Sans"/>
-                <a:ea typeface="Open Sans"/>
-                <a:cs typeface="Open Sans"/>
-                <a:sym typeface="Open Sans"/>
-              </a:rPr>
-              <a:t>С</a:t>
-            </a:r>
-            <a:r>
-              <a:rPr lang="ru-RU" sz="3200" dirty="0" smtClean="0">
-                <a:solidFill>
-                  <a:srgbClr val="292829"/>
-                </a:solidFill>
-                <a:latin typeface="Open Sans"/>
-                <a:ea typeface="Open Sans"/>
-                <a:cs typeface="Open Sans"/>
-                <a:sym typeface="Open Sans"/>
-              </a:rPr>
-              <a:t>вертка осуществляется пока </a:t>
-            </a:r>
-            <a:r>
-              <a:rPr lang="ru-RU" sz="3200" dirty="0">
-                <a:solidFill>
-                  <a:srgbClr val="292829"/>
-                </a:solidFill>
-                <a:latin typeface="Open Sans"/>
-                <a:ea typeface="Open Sans"/>
-                <a:cs typeface="Open Sans"/>
-                <a:sym typeface="Open Sans"/>
-              </a:rPr>
-              <a:t>исходная матрица не уменьшается до размера 14x14. После этого слой </a:t>
-            </a:r>
-            <a:r>
-              <a:rPr lang="ru-RU" sz="3200" b="1" dirty="0" err="1">
-                <a:solidFill>
-                  <a:srgbClr val="292829"/>
-                </a:solidFill>
-                <a:latin typeface="Open Sans"/>
-                <a:ea typeface="Open Sans"/>
-                <a:cs typeface="Open Sans"/>
-                <a:sym typeface="Open Sans"/>
-              </a:rPr>
-              <a:t>Flatten</a:t>
-            </a:r>
-            <a:r>
-              <a:rPr lang="ru-RU" sz="3200" dirty="0">
-                <a:solidFill>
-                  <a:srgbClr val="292829"/>
-                </a:solidFill>
-                <a:latin typeface="Open Sans"/>
-                <a:ea typeface="Open Sans"/>
-                <a:cs typeface="Open Sans"/>
-                <a:sym typeface="Open Sans"/>
-              </a:rPr>
-              <a:t> преобразует матрицу в вектор, который далее и подается на вход </a:t>
-            </a:r>
-            <a:r>
-              <a:rPr lang="ru-RU" sz="3200" dirty="0" err="1">
-                <a:solidFill>
-                  <a:srgbClr val="292829"/>
-                </a:solidFill>
-                <a:latin typeface="Open Sans"/>
-                <a:ea typeface="Open Sans"/>
-                <a:cs typeface="Open Sans"/>
-                <a:sym typeface="Open Sans"/>
-              </a:rPr>
-              <a:t>Dense</a:t>
-            </a:r>
-            <a:r>
-              <a:rPr lang="ru-RU" sz="3200" dirty="0">
-                <a:solidFill>
-                  <a:srgbClr val="292829"/>
-                </a:solidFill>
-                <a:latin typeface="Open Sans"/>
-                <a:ea typeface="Open Sans"/>
-                <a:cs typeface="Open Sans"/>
-                <a:sym typeface="Open Sans"/>
-              </a:rPr>
-              <a:t> слоев модели. </a:t>
-            </a:r>
-            <a:endParaRPr lang="ru-RU" sz="3200" dirty="0" smtClean="0">
-              <a:solidFill>
-                <a:srgbClr val="292829"/>
-              </a:solidFill>
-              <a:latin typeface="Open Sans"/>
-              <a:ea typeface="Open Sans"/>
-              <a:cs typeface="Open Sans"/>
-              <a:sym typeface="Open Sans"/>
-            </a:endParaRPr>
-          </a:p>
-          <a:p>
-            <a:pPr lvl="0">
-              <a:lnSpc>
-                <a:spcPct val="150000"/>
-              </a:lnSpc>
-            </a:pPr>
-            <a:r>
-              <a:rPr lang="ru-RU" sz="3200" dirty="0" err="1" smtClean="0">
-                <a:solidFill>
-                  <a:srgbClr val="292829"/>
-                </a:solidFill>
-                <a:latin typeface="Open Sans"/>
-                <a:ea typeface="Open Sans"/>
-                <a:cs typeface="Open Sans"/>
-                <a:sym typeface="Open Sans"/>
-              </a:rPr>
-              <a:t>Полносвязные</a:t>
-            </a:r>
-            <a:r>
-              <a:rPr lang="ru-RU" sz="3200" dirty="0" smtClean="0">
-                <a:solidFill>
-                  <a:srgbClr val="292829"/>
-                </a:solidFill>
-                <a:latin typeface="Open Sans"/>
-                <a:ea typeface="Open Sans"/>
-                <a:cs typeface="Open Sans"/>
-                <a:sym typeface="Open Sans"/>
-              </a:rPr>
-              <a:t> </a:t>
-            </a:r>
-            <a:r>
-              <a:rPr lang="ru-RU" sz="3200" b="1" dirty="0" err="1">
-                <a:solidFill>
-                  <a:srgbClr val="292829"/>
-                </a:solidFill>
-                <a:latin typeface="Open Sans"/>
-                <a:ea typeface="Open Sans"/>
-                <a:cs typeface="Open Sans"/>
-                <a:sym typeface="Open Sans"/>
-              </a:rPr>
-              <a:t>Dense</a:t>
-            </a:r>
-            <a:r>
-              <a:rPr lang="ru-RU" sz="3200" dirty="0">
-                <a:solidFill>
-                  <a:srgbClr val="292829"/>
-                </a:solidFill>
-                <a:latin typeface="Open Sans"/>
-                <a:ea typeface="Open Sans"/>
-                <a:cs typeface="Open Sans"/>
-                <a:sym typeface="Open Sans"/>
-              </a:rPr>
-              <a:t> слои получают на вход количество </a:t>
-            </a:r>
-            <a:r>
-              <a:rPr lang="ru-RU" sz="3200" dirty="0" smtClean="0">
-                <a:solidFill>
-                  <a:srgbClr val="292829"/>
-                </a:solidFill>
-                <a:latin typeface="Open Sans"/>
-                <a:ea typeface="Open Sans"/>
-                <a:cs typeface="Open Sans"/>
-                <a:sym typeface="Open Sans"/>
-              </a:rPr>
-              <a:t>нейронов и </a:t>
-            </a:r>
-            <a:r>
-              <a:rPr lang="ru-RU" sz="3200" dirty="0">
-                <a:solidFill>
-                  <a:srgbClr val="292829"/>
-                </a:solidFill>
-                <a:latin typeface="Open Sans"/>
-                <a:ea typeface="Open Sans"/>
-                <a:cs typeface="Open Sans"/>
-                <a:sym typeface="Open Sans"/>
-              </a:rPr>
-              <a:t>функцию </a:t>
-            </a:r>
-            <a:r>
-              <a:rPr lang="ru-RU" sz="3200" dirty="0" smtClean="0">
-                <a:solidFill>
-                  <a:srgbClr val="292829"/>
-                </a:solidFill>
-                <a:latin typeface="Open Sans"/>
-                <a:ea typeface="Open Sans"/>
-                <a:cs typeface="Open Sans"/>
-                <a:sym typeface="Open Sans"/>
-              </a:rPr>
-              <a:t>активации.</a:t>
-            </a:r>
-            <a:endParaRPr lang="ru-RU" sz="3200" dirty="0">
-              <a:solidFill>
-                <a:srgbClr val="292829"/>
-              </a:solidFill>
-              <a:latin typeface="Open Sans"/>
-              <a:ea typeface="Open Sans"/>
-              <a:cs typeface="Open Sans"/>
-              <a:sym typeface="Open Sans"/>
-            </a:endParaRPr>
-          </a:p>
-          <a:p>
-            <a:pPr lvl="0">
-              <a:lnSpc>
-                <a:spcPct val="150000"/>
-              </a:lnSpc>
-            </a:pPr>
-            <a:r>
-              <a:rPr lang="ru-RU" sz="3200" dirty="0">
-                <a:solidFill>
-                  <a:srgbClr val="292829"/>
-                </a:solidFill>
-                <a:latin typeface="Open Sans"/>
-                <a:ea typeface="Open Sans"/>
-                <a:cs typeface="Open Sans"/>
-                <a:sym typeface="Open Sans"/>
-              </a:rPr>
-              <a:t>Два слоя </a:t>
-            </a:r>
-            <a:r>
-              <a:rPr lang="ru-RU" sz="3200" b="1" dirty="0" err="1">
-                <a:solidFill>
-                  <a:srgbClr val="292829"/>
-                </a:solidFill>
-                <a:latin typeface="Open Sans"/>
-                <a:ea typeface="Open Sans"/>
-                <a:cs typeface="Open Sans"/>
-                <a:sym typeface="Open Sans"/>
-              </a:rPr>
-              <a:t>Dropout</a:t>
-            </a:r>
-            <a:r>
-              <a:rPr lang="ru-RU" sz="3200" dirty="0">
-                <a:solidFill>
-                  <a:srgbClr val="292829"/>
-                </a:solidFill>
-                <a:latin typeface="Open Sans"/>
-                <a:ea typeface="Open Sans"/>
-                <a:cs typeface="Open Sans"/>
-                <a:sym typeface="Open Sans"/>
-              </a:rPr>
-              <a:t> должны снизить эффект переобучения. </a:t>
-            </a:r>
-            <a:endParaRPr lang="ru-RU" sz="3200" dirty="0" smtClean="0">
-              <a:solidFill>
-                <a:srgbClr val="292829"/>
-              </a:solidFill>
-              <a:latin typeface="Open Sans"/>
-              <a:ea typeface="Open Sans"/>
-              <a:cs typeface="Open Sans"/>
-              <a:sym typeface="Open Sans"/>
-            </a:endParaRPr>
-          </a:p>
-          <a:p>
-            <a:pPr lvl="0">
-              <a:lnSpc>
-                <a:spcPct val="150000"/>
-              </a:lnSpc>
-            </a:pPr>
-            <a:r>
-              <a:rPr lang="ru-RU" sz="3200" dirty="0" smtClean="0">
-                <a:solidFill>
-                  <a:srgbClr val="292829"/>
-                </a:solidFill>
-                <a:latin typeface="Open Sans"/>
-                <a:ea typeface="Open Sans"/>
-                <a:cs typeface="Open Sans"/>
-                <a:sym typeface="Open Sans"/>
-              </a:rPr>
-              <a:t>Последний </a:t>
-            </a:r>
-            <a:r>
-              <a:rPr lang="ru-RU" sz="3200" dirty="0">
-                <a:solidFill>
-                  <a:srgbClr val="292829"/>
-                </a:solidFill>
-                <a:latin typeface="Open Sans"/>
-                <a:ea typeface="Open Sans"/>
-                <a:cs typeface="Open Sans"/>
-                <a:sym typeface="Open Sans"/>
-              </a:rPr>
-              <a:t>слой в сети типа </a:t>
-            </a:r>
-            <a:r>
-              <a:rPr lang="ru-RU" sz="3200" dirty="0" err="1">
-                <a:solidFill>
-                  <a:srgbClr val="292829"/>
-                </a:solidFill>
-                <a:latin typeface="Open Sans"/>
-                <a:ea typeface="Open Sans"/>
-                <a:cs typeface="Open Sans"/>
-                <a:sym typeface="Open Sans"/>
-              </a:rPr>
-              <a:t>Dense</a:t>
-            </a:r>
-            <a:r>
-              <a:rPr lang="ru-RU" sz="3200" dirty="0">
-                <a:solidFill>
-                  <a:srgbClr val="292829"/>
-                </a:solidFill>
-                <a:latin typeface="Open Sans"/>
-                <a:ea typeface="Open Sans"/>
-                <a:cs typeface="Open Sans"/>
-                <a:sym typeface="Open Sans"/>
-              </a:rPr>
-              <a:t> имеет два выходных нейрона, соответствующих количеству распознаваемых </a:t>
-            </a:r>
-            <a:r>
-              <a:rPr lang="ru-RU" sz="3200" dirty="0" smtClean="0">
-                <a:solidFill>
-                  <a:srgbClr val="292829"/>
-                </a:solidFill>
-                <a:latin typeface="Open Sans"/>
-                <a:ea typeface="Open Sans"/>
-                <a:cs typeface="Open Sans"/>
-                <a:sym typeface="Open Sans"/>
-              </a:rPr>
-              <a:t>классов.</a:t>
-            </a:r>
-            <a:endParaRPr lang="ru-RU" sz="3200" dirty="0">
-              <a:solidFill>
-                <a:srgbClr val="292829"/>
-              </a:solidFill>
-              <a:latin typeface="Open Sans"/>
-              <a:ea typeface="Open Sans"/>
-              <a:cs typeface="Open Sans"/>
-              <a:sym typeface="Open Sans"/>
-            </a:endParaRPr>
-          </a:p>
-        </p:txBody>
-      </p:sp>
       <p:pic>
         <p:nvPicPr>
-          <p:cNvPr id="6" name="Рисунок 5"/>
-          <p:cNvPicPr/>
+          <p:cNvPr id="2" name="Рисунок 1"/>
+          <p:cNvPicPr>
+            <a:picLocks noChangeAspect="1"/>
+          </p:cNvPicPr>
           <p:nvPr/>
         </p:nvPicPr>
         <p:blipFill>
-          <a:blip r:embed="rId3"/>
+          <a:blip r:embed="rId3">
+            <a:extLst>
+              <a:ext uri="{28A0092B-C50C-407E-A947-70E740481C1C}">
+                <a14:useLocalDpi xmlns:a14="http://schemas.microsoft.com/office/drawing/2010/main" val="0"/>
+              </a:ext>
+            </a:extLst>
+          </a:blip>
           <a:stretch>
             <a:fillRect/>
           </a:stretch>
         </p:blipFill>
         <p:spPr>
           <a:xfrm>
-            <a:off x="15393295" y="453922"/>
-            <a:ext cx="7321564" cy="13054919"/>
+            <a:off x="-29227" y="0"/>
+            <a:ext cx="24384000" cy="13716000"/>
           </a:xfrm>
           <a:prstGeom prst="rect">
             <a:avLst/>
@@ -5883,7 +4969,7 @@
     </p:spTree>
     <p:extLst>
       <p:ext uri="{BB962C8B-B14F-4D97-AF65-F5344CB8AC3E}">
-        <p14:creationId xmlns:p14="http://schemas.microsoft.com/office/powerpoint/2010/main" val="672149822"/>
+        <p14:creationId xmlns:p14="http://schemas.microsoft.com/office/powerpoint/2010/main" val="2697157532"/>
       </p:ext>
     </p:extLst>
   </p:cSld>
@@ -5900,7 +4986,7 @@
 </p:sld>
 </file>
 
-<file path=ppt/slides/slide12.xml><?xml version="1.0" encoding="utf-8"?>
+<file path=ppt/slides/slide11.xml><?xml version="1.0" encoding="utf-8"?>
 <p:sld xmlns:a="http://schemas.openxmlformats.org/drawingml/2006/main" xmlns:r="http://schemas.openxmlformats.org/officeDocument/2006/relationships" xmlns:p="http://schemas.openxmlformats.org/presentationml/2006/main">
   <p:cSld>
     <p:spTree>
@@ -6476,7 +5562,7 @@
 </p:sld>
 </file>
 
-<file path=ppt/slides/slide13.xml><?xml version="1.0" encoding="utf-8"?>
+<file path=ppt/slides/slide12.xml><?xml version="1.0" encoding="utf-8"?>
 <p:sld xmlns:a="http://schemas.openxmlformats.org/drawingml/2006/main" xmlns:r="http://schemas.openxmlformats.org/officeDocument/2006/relationships" xmlns:p="http://schemas.openxmlformats.org/presentationml/2006/main">
   <p:cSld>
     <p:spTree>
@@ -6789,7 +5875,19 @@
                 <a:cs typeface="Open Sans"/>
                 <a:sym typeface="Open Sans"/>
               </a:rPr>
-              <a:t>– </a:t>
+              <a:t>=</a:t>
+            </a:r>
+            <a:r>
+              <a:rPr lang="en-US" sz="3600" dirty="0" smtClean="0">
+                <a:solidFill>
+                  <a:srgbClr val="292829"/>
+                </a:solidFill>
+                <a:latin typeface="Open Sans"/>
+                <a:ea typeface="Open Sans"/>
+                <a:cs typeface="Open Sans"/>
+                <a:sym typeface="Open Sans"/>
+              </a:rPr>
+              <a:t> </a:t>
             </a:r>
             <a:r>
               <a:rPr lang="en-US" sz="3600" b="1" dirty="0" smtClean="0">
@@ -6884,7 +5982,19 @@
                 <a:cs typeface="Open Sans"/>
                 <a:sym typeface="Open Sans"/>
               </a:rPr>
-              <a:t>– </a:t>
+              <a:t>=</a:t>
+            </a:r>
+            <a:r>
+              <a:rPr lang="en-US" sz="3600" dirty="0" smtClean="0">
+                <a:solidFill>
+                  <a:srgbClr val="292829"/>
+                </a:solidFill>
+                <a:latin typeface="Open Sans"/>
+                <a:ea typeface="Open Sans"/>
+                <a:cs typeface="Open Sans"/>
+                <a:sym typeface="Open Sans"/>
+              </a:rPr>
+              <a:t> </a:t>
             </a:r>
             <a:r>
               <a:rPr lang="en-US" sz="3600" b="1" dirty="0" smtClean="0">
@@ -6979,7 +6089,19 @@
                 <a:cs typeface="Open Sans"/>
                 <a:sym typeface="Open Sans"/>
               </a:rPr>
-              <a:t>– </a:t>
+              <a:t>=</a:t>
+            </a:r>
+            <a:r>
+              <a:rPr lang="en-US" sz="3600" dirty="0" smtClean="0">
+                <a:solidFill>
+                  <a:srgbClr val="292829"/>
+                </a:solidFill>
+                <a:latin typeface="Open Sans"/>
+                <a:ea typeface="Open Sans"/>
+                <a:cs typeface="Open Sans"/>
+                <a:sym typeface="Open Sans"/>
+              </a:rPr>
+              <a:t> </a:t>
             </a:r>
             <a:r>
               <a:rPr lang="en-US" sz="3600" b="1" dirty="0">
@@ -7784,7 +6906,7 @@
 </p:sld>
 </file>
 
-<file path=ppt/slides/slide14.xml><?xml version="1.0" encoding="utf-8"?>
+<file path=ppt/slides/slide13.xml><?xml version="1.0" encoding="utf-8"?>
 <p:sld xmlns:a="http://schemas.openxmlformats.org/drawingml/2006/main" xmlns:r="http://schemas.openxmlformats.org/officeDocument/2006/relationships" xmlns:p="http://schemas.openxmlformats.org/presentationml/2006/main">
   <p:cSld>
     <p:spTree>
@@ -8118,7 +7240,7 @@
 </p:sld>
 </file>
 
-<file path=ppt/slides/slide15.xml><?xml version="1.0" encoding="utf-8"?>
+<file path=ppt/slides/slide14.xml><?xml version="1.0" encoding="utf-8"?>
 <p:sld xmlns:a="http://schemas.openxmlformats.org/drawingml/2006/main" xmlns:r="http://schemas.openxmlformats.org/officeDocument/2006/relationships" xmlns:p="http://schemas.openxmlformats.org/presentationml/2006/main">
   <p:cSld>
     <p:spTree>
@@ -10789,15 +9911,6 @@
               </a:rPr>
               <a:t>(5863 изображения)</a:t>
             </a:r>
-            <a:endParaRPr lang="ru-RU" sz="4000" b="1" dirty="0">
-              <a:solidFill>
-                <a:srgbClr val="292829"/>
-              </a:solidFill>
-              <a:latin typeface="Open Sans"/>
-              <a:ea typeface="Open Sans"/>
-              <a:cs typeface="Open Sans"/>
-              <a:sym typeface="Open Sans"/>
-            </a:endParaRPr>
           </a:p>
         </p:txBody>
       </p:sp>
